--- a/images/lengthDistribution.pptx
+++ b/images/lengthDistribution.pptx
@@ -288,7 +288,7 @@
           <a:p>
             <a:fld id="{357C6147-7F21-40A3-9D66-9B8EB1BDA9EE}" type="datetimeFigureOut">
               <a:rPr lang="en-US" smtClean="0"/>
-              <a:t>6/5/2015</a:t>
+              <a:t>6/15/2015</a:t>
             </a:fld>
             <a:endParaRPr lang="en-US"/>
           </a:p>
@@ -458,7 +458,7 @@
           <a:p>
             <a:fld id="{357C6147-7F21-40A3-9D66-9B8EB1BDA9EE}" type="datetimeFigureOut">
               <a:rPr lang="en-US" smtClean="0"/>
-              <a:t>6/5/2015</a:t>
+              <a:t>6/15/2015</a:t>
             </a:fld>
             <a:endParaRPr lang="en-US"/>
           </a:p>
@@ -638,7 +638,7 @@
           <a:p>
             <a:fld id="{357C6147-7F21-40A3-9D66-9B8EB1BDA9EE}" type="datetimeFigureOut">
               <a:rPr lang="en-US" smtClean="0"/>
-              <a:t>6/5/2015</a:t>
+              <a:t>6/15/2015</a:t>
             </a:fld>
             <a:endParaRPr lang="en-US"/>
           </a:p>
@@ -808,7 +808,7 @@
           <a:p>
             <a:fld id="{357C6147-7F21-40A3-9D66-9B8EB1BDA9EE}" type="datetimeFigureOut">
               <a:rPr lang="en-US" smtClean="0"/>
-              <a:t>6/5/2015</a:t>
+              <a:t>6/15/2015</a:t>
             </a:fld>
             <a:endParaRPr lang="en-US"/>
           </a:p>
@@ -1054,7 +1054,7 @@
           <a:p>
             <a:fld id="{357C6147-7F21-40A3-9D66-9B8EB1BDA9EE}" type="datetimeFigureOut">
               <a:rPr lang="en-US" smtClean="0"/>
-              <a:t>6/5/2015</a:t>
+              <a:t>6/15/2015</a:t>
             </a:fld>
             <a:endParaRPr lang="en-US"/>
           </a:p>
@@ -1342,7 +1342,7 @@
           <a:p>
             <a:fld id="{357C6147-7F21-40A3-9D66-9B8EB1BDA9EE}" type="datetimeFigureOut">
               <a:rPr lang="en-US" smtClean="0"/>
-              <a:t>6/5/2015</a:t>
+              <a:t>6/15/2015</a:t>
             </a:fld>
             <a:endParaRPr lang="en-US"/>
           </a:p>
@@ -1764,7 +1764,7 @@
           <a:p>
             <a:fld id="{357C6147-7F21-40A3-9D66-9B8EB1BDA9EE}" type="datetimeFigureOut">
               <a:rPr lang="en-US" smtClean="0"/>
-              <a:t>6/5/2015</a:t>
+              <a:t>6/15/2015</a:t>
             </a:fld>
             <a:endParaRPr lang="en-US"/>
           </a:p>
@@ -1882,7 +1882,7 @@
           <a:p>
             <a:fld id="{357C6147-7F21-40A3-9D66-9B8EB1BDA9EE}" type="datetimeFigureOut">
               <a:rPr lang="en-US" smtClean="0"/>
-              <a:t>6/5/2015</a:t>
+              <a:t>6/15/2015</a:t>
             </a:fld>
             <a:endParaRPr lang="en-US"/>
           </a:p>
@@ -1977,7 +1977,7 @@
           <a:p>
             <a:fld id="{357C6147-7F21-40A3-9D66-9B8EB1BDA9EE}" type="datetimeFigureOut">
               <a:rPr lang="en-US" smtClean="0"/>
-              <a:t>6/5/2015</a:t>
+              <a:t>6/15/2015</a:t>
             </a:fld>
             <a:endParaRPr lang="en-US"/>
           </a:p>
@@ -2254,7 +2254,7 @@
           <a:p>
             <a:fld id="{357C6147-7F21-40A3-9D66-9B8EB1BDA9EE}" type="datetimeFigureOut">
               <a:rPr lang="en-US" smtClean="0"/>
-              <a:t>6/5/2015</a:t>
+              <a:t>6/15/2015</a:t>
             </a:fld>
             <a:endParaRPr lang="en-US"/>
           </a:p>
@@ -2507,7 +2507,7 @@
           <a:p>
             <a:fld id="{357C6147-7F21-40A3-9D66-9B8EB1BDA9EE}" type="datetimeFigureOut">
               <a:rPr lang="en-US" smtClean="0"/>
-              <a:t>6/5/2015</a:t>
+              <a:t>6/15/2015</a:t>
             </a:fld>
             <a:endParaRPr lang="en-US"/>
           </a:p>
@@ -2720,7 +2720,7 @@
           <a:p>
             <a:fld id="{357C6147-7F21-40A3-9D66-9B8EB1BDA9EE}" type="datetimeFigureOut">
               <a:rPr lang="en-US" smtClean="0"/>
-              <a:t>6/5/2015</a:t>
+              <a:t>6/15/2015</a:t>
             </a:fld>
             <a:endParaRPr lang="en-US"/>
           </a:p>
@@ -3229,7 +3229,7 @@
                     </a:outerShdw>
                   </a:effectLst>
                 </a:rPr>
-                <a:t>1</a:t>
+                <a:t>7</a:t>
               </a:r>
               <a:endParaRPr lang="en-US" dirty="0">
                 <a:ln w="0"/>
@@ -3497,8 +3497,8 @@
         </p:nvSpPr>
         <p:spPr>
           <a:xfrm>
-            <a:off x="253928" y="115742"/>
-            <a:ext cx="9499672" cy="875884"/>
+            <a:off x="1828800" y="68678"/>
+            <a:ext cx="6781800" cy="875884"/>
           </a:xfrm>
           <a:prstGeom prst="flowChartAlternateProcess">
             <a:avLst/>
@@ -3532,7 +3532,7 @@
           <a:p>
             <a:pPr algn="ctr"/>
             <a:r>
-              <a:rPr lang="en-US" sz="5000" dirty="0" smtClean="0">
+              <a:rPr lang="en-US" sz="3600" dirty="0" smtClean="0">
                 <a:solidFill>
                   <a:srgbClr val="238B45"/>
                 </a:solidFill>
@@ -3540,7 +3540,7 @@
               <a:t>Length </a:t>
             </a:r>
             <a:r>
-              <a:rPr lang="en-US" sz="5000" dirty="0">
+              <a:rPr lang="en-US" sz="3600" dirty="0">
                 <a:solidFill>
                   <a:srgbClr val="238B45"/>
                 </a:solidFill>
@@ -3548,14 +3548,22 @@
               <a:t>distribution </a:t>
             </a:r>
             <a:r>
-              <a:rPr lang="en-US" sz="5000" dirty="0" smtClean="0">
+              <a:rPr lang="en-US" sz="3600" dirty="0" smtClean="0">
                 <a:solidFill>
                   <a:srgbClr val="238B45"/>
                 </a:solidFill>
               </a:rPr>
-              <a:t>in bundle 1</a:t>
-            </a:r>
-            <a:endParaRPr lang="en-US" sz="5000" dirty="0">
+              <a:t>in bundle </a:t>
+            </a:r>
+            <a:r>
+              <a:rPr lang="en-US" sz="3600" dirty="0" smtClean="0">
+                <a:solidFill>
+                  <a:srgbClr val="238B45"/>
+                </a:solidFill>
+              </a:rPr>
+              <a:t>7</a:t>
+            </a:r>
+            <a:endParaRPr lang="en-US" sz="3600" dirty="0">
               <a:solidFill>
                 <a:srgbClr val="238B45"/>
               </a:solidFill>
